--- a/CYBER360-6.1-SQL-Server.pptx
+++ b/CYBER360-6.1-SQL-Server.pptx
@@ -433,7 +433,7 @@
           <a:p>
             <a:fld id="{71087A05-F855-4434-8DDE-39A8542098A6}" type="datetimeFigureOut">
               <a:rPr lang="en-US" smtClean="0"/>
-              <a:t>11/21/2024</a:t>
+              <a:t>3/15/2025</a:t>
             </a:fld>
             <a:endParaRPr lang="en-US"/>
           </a:p>
@@ -671,7 +671,7 @@
           <a:p>
             <a:fld id="{71087A05-F855-4434-8DDE-39A8542098A6}" type="datetimeFigureOut">
               <a:rPr lang="en-US" smtClean="0"/>
-              <a:t>11/21/2024</a:t>
+              <a:t>3/15/2025</a:t>
             </a:fld>
             <a:endParaRPr lang="en-US"/>
           </a:p>
@@ -907,7 +907,7 @@
           <a:p>
             <a:fld id="{421996D4-4A1C-4BBC-AA2B-FD5B7FC395A0}" type="datetime1">
               <a:rPr lang="en-US" smtClean="0"/>
-              <a:t>11/21/2024</a:t>
+              <a:t>3/15/2025</a:t>
             </a:fld>
             <a:endParaRPr lang="en-US"/>
           </a:p>
@@ -1210,7 +1210,7 @@
           <a:p>
             <a:fld id="{71087A05-F855-4434-8DDE-39A8542098A6}" type="datetimeFigureOut">
               <a:rPr lang="en-US" smtClean="0"/>
-              <a:t>11/21/2024</a:t>
+              <a:t>3/15/2025</a:t>
             </a:fld>
             <a:endParaRPr lang="en-US"/>
           </a:p>
@@ -1515,7 +1515,7 @@
           <a:p>
             <a:fld id="{71087A05-F855-4434-8DDE-39A8542098A6}" type="datetimeFigureOut">
               <a:rPr lang="en-US" smtClean="0"/>
-              <a:t>11/21/2024</a:t>
+              <a:t>3/15/2025</a:t>
             </a:fld>
             <a:endParaRPr lang="en-US"/>
           </a:p>
@@ -1818,7 +1818,7 @@
           <a:p>
             <a:fld id="{71087A05-F855-4434-8DDE-39A8542098A6}" type="datetimeFigureOut">
               <a:rPr lang="en-US" smtClean="0"/>
-              <a:t>11/21/2024</a:t>
+              <a:t>3/15/2025</a:t>
             </a:fld>
             <a:endParaRPr lang="en-US"/>
           </a:p>
@@ -2269,7 +2269,7 @@
           <a:p>
             <a:fld id="{71087A05-F855-4434-8DDE-39A8542098A6}" type="datetimeFigureOut">
               <a:rPr lang="en-US" smtClean="0"/>
-              <a:t>11/21/2024</a:t>
+              <a:t>3/15/2025</a:t>
             </a:fld>
             <a:endParaRPr lang="en-US"/>
           </a:p>
@@ -2442,7 +2442,7 @@
           <a:p>
             <a:fld id="{71087A05-F855-4434-8DDE-39A8542098A6}" type="datetimeFigureOut">
               <a:rPr lang="en-US" smtClean="0"/>
-              <a:t>11/21/2024</a:t>
+              <a:t>3/15/2025</a:t>
             </a:fld>
             <a:endParaRPr lang="en-US"/>
           </a:p>
@@ -2579,7 +2579,7 @@
           <a:p>
             <a:fld id="{71087A05-F855-4434-8DDE-39A8542098A6}" type="datetimeFigureOut">
               <a:rPr lang="en-US" smtClean="0"/>
-              <a:t>11/21/2024</a:t>
+              <a:t>3/15/2025</a:t>
             </a:fld>
             <a:endParaRPr lang="en-US"/>
           </a:p>
@@ -2923,7 +2923,7 @@
           <a:p>
             <a:fld id="{71087A05-F855-4434-8DDE-39A8542098A6}" type="datetimeFigureOut">
               <a:rPr lang="en-US" smtClean="0"/>
-              <a:t>11/21/2024</a:t>
+              <a:t>3/15/2025</a:t>
             </a:fld>
             <a:endParaRPr lang="en-US"/>
           </a:p>
@@ -3247,7 +3247,7 @@
           <a:p>
             <a:fld id="{71087A05-F855-4434-8DDE-39A8542098A6}" type="datetimeFigureOut">
               <a:rPr lang="en-US" smtClean="0"/>
-              <a:t>11/21/2024</a:t>
+              <a:t>3/15/2025</a:t>
             </a:fld>
             <a:endParaRPr lang="en-US"/>
           </a:p>
@@ -3832,8 +3832,27 @@
           <a:lstStyle/>
           <a:p>
             <a:r>
+              <a:rPr lang="en-US"/>
+              <a:t>CYBER </a:t>
+            </a:r>
+            <a:r>
               <a:rPr lang="en-US" dirty="0"/>
-              <a:t>CIT 361/CYBER 360: Advanced Scripting</a:t>
+              <a:t>360</a:t>
+            </a:r>
+            <a:r>
+              <a:rPr lang="en-US"/>
+              <a:t>: </a:t>
+            </a:r>
+            <a:br>
+              <a:rPr lang="en-US"/>
+            </a:br>
+            <a:r>
+              <a:rPr lang="en-US"/>
+              <a:t>Advanced </a:t>
+            </a:r>
+            <a:r>
+              <a:rPr lang="en-US" dirty="0"/>
+              <a:t>Scripting</a:t>
             </a:r>
           </a:p>
         </p:txBody>

--- a/CYBER360-6.1-SQL-Server.pptx
+++ b/CYBER360-6.1-SQL-Server.pptx
@@ -433,7 +433,7 @@
           <a:p>
             <a:fld id="{71087A05-F855-4434-8DDE-39A8542098A6}" type="datetimeFigureOut">
               <a:rPr lang="en-US" smtClean="0"/>
-              <a:t>3/15/2025</a:t>
+              <a:t>2/5/2026</a:t>
             </a:fld>
             <a:endParaRPr lang="en-US"/>
           </a:p>
@@ -671,7 +671,7 @@
           <a:p>
             <a:fld id="{71087A05-F855-4434-8DDE-39A8542098A6}" type="datetimeFigureOut">
               <a:rPr lang="en-US" smtClean="0"/>
-              <a:t>3/15/2025</a:t>
+              <a:t>2/5/2026</a:t>
             </a:fld>
             <a:endParaRPr lang="en-US"/>
           </a:p>
@@ -907,7 +907,7 @@
           <a:p>
             <a:fld id="{421996D4-4A1C-4BBC-AA2B-FD5B7FC395A0}" type="datetime1">
               <a:rPr lang="en-US" smtClean="0"/>
-              <a:t>3/15/2025</a:t>
+              <a:t>2/5/2026</a:t>
             </a:fld>
             <a:endParaRPr lang="en-US"/>
           </a:p>
@@ -1210,7 +1210,7 @@
           <a:p>
             <a:fld id="{71087A05-F855-4434-8DDE-39A8542098A6}" type="datetimeFigureOut">
               <a:rPr lang="en-US" smtClean="0"/>
-              <a:t>3/15/2025</a:t>
+              <a:t>2/5/2026</a:t>
             </a:fld>
             <a:endParaRPr lang="en-US"/>
           </a:p>
@@ -1515,7 +1515,7 @@
           <a:p>
             <a:fld id="{71087A05-F855-4434-8DDE-39A8542098A6}" type="datetimeFigureOut">
               <a:rPr lang="en-US" smtClean="0"/>
-              <a:t>3/15/2025</a:t>
+              <a:t>2/5/2026</a:t>
             </a:fld>
             <a:endParaRPr lang="en-US"/>
           </a:p>
@@ -1818,7 +1818,7 @@
           <a:p>
             <a:fld id="{71087A05-F855-4434-8DDE-39A8542098A6}" type="datetimeFigureOut">
               <a:rPr lang="en-US" smtClean="0"/>
-              <a:t>3/15/2025</a:t>
+              <a:t>2/5/2026</a:t>
             </a:fld>
             <a:endParaRPr lang="en-US"/>
           </a:p>
@@ -2269,7 +2269,7 @@
           <a:p>
             <a:fld id="{71087A05-F855-4434-8DDE-39A8542098A6}" type="datetimeFigureOut">
               <a:rPr lang="en-US" smtClean="0"/>
-              <a:t>3/15/2025</a:t>
+              <a:t>2/5/2026</a:t>
             </a:fld>
             <a:endParaRPr lang="en-US"/>
           </a:p>
@@ -2442,7 +2442,7 @@
           <a:p>
             <a:fld id="{71087A05-F855-4434-8DDE-39A8542098A6}" type="datetimeFigureOut">
               <a:rPr lang="en-US" smtClean="0"/>
-              <a:t>3/15/2025</a:t>
+              <a:t>2/5/2026</a:t>
             </a:fld>
             <a:endParaRPr lang="en-US"/>
           </a:p>
@@ -2579,7 +2579,7 @@
           <a:p>
             <a:fld id="{71087A05-F855-4434-8DDE-39A8542098A6}" type="datetimeFigureOut">
               <a:rPr lang="en-US" smtClean="0"/>
-              <a:t>3/15/2025</a:t>
+              <a:t>2/5/2026</a:t>
             </a:fld>
             <a:endParaRPr lang="en-US"/>
           </a:p>
@@ -2923,7 +2923,7 @@
           <a:p>
             <a:fld id="{71087A05-F855-4434-8DDE-39A8542098A6}" type="datetimeFigureOut">
               <a:rPr lang="en-US" smtClean="0"/>
-              <a:t>3/15/2025</a:t>
+              <a:t>2/5/2026</a:t>
             </a:fld>
             <a:endParaRPr lang="en-US"/>
           </a:p>
@@ -3247,7 +3247,7 @@
           <a:p>
             <a:fld id="{71087A05-F855-4434-8DDE-39A8542098A6}" type="datetimeFigureOut">
               <a:rPr lang="en-US" smtClean="0"/>
-              <a:t>3/15/2025</a:t>
+              <a:t>2/5/2026</a:t>
             </a:fld>
             <a:endParaRPr lang="en-US"/>
           </a:p>
@@ -4561,8 +4561,8 @@
         </p:nvSpPr>
         <p:spPr>
           <a:xfrm>
-            <a:off x="762001" y="2019786"/>
-            <a:ext cx="10667998" cy="4801314"/>
+            <a:off x="762001" y="1834851"/>
+            <a:ext cx="10667998" cy="5062924"/>
           </a:xfrm>
           <a:prstGeom prst="rect">
             <a:avLst/>
@@ -4672,6 +4672,38 @@
             <a:r>
               <a:rPr lang="en-US" sz="1700" dirty="0"/>
               <a:t>:    the SQL command-line query to execute on the server.</a:t>
+            </a:r>
+          </a:p>
+          <a:p>
+            <a:pPr marL="742950" lvl="1" indent="-285750">
+              <a:buFont typeface="Arial" panose="020B0604020202020204" pitchFamily="34" charset="0"/>
+              <a:buChar char="•"/>
+            </a:pPr>
+            <a:r>
+              <a:rPr lang="en-US" sz="1700" dirty="0"/>
+              <a:t> </a:t>
+            </a:r>
+            <a:r>
+              <a:rPr lang="en-US" sz="1700" dirty="0">
+                <a:latin typeface="Lucida Console" panose="020B0609040504020204" pitchFamily="49" charset="0"/>
+              </a:rPr>
+              <a:t>-</a:t>
+            </a:r>
+            <a:r>
+              <a:rPr lang="en-US" sz="1700" dirty="0" err="1">
+                <a:latin typeface="Lucida Console" panose="020B0609040504020204" pitchFamily="49" charset="0"/>
+              </a:rPr>
+              <a:t>TrustServerCertificate</a:t>
+            </a:r>
+            <a:r>
+              <a:rPr lang="en-US" sz="1700" dirty="0">
+                <a:latin typeface="Lucida Console" panose="020B0609040504020204" pitchFamily="49" charset="0"/>
+              </a:rPr>
+              <a:t>:</a:t>
+            </a:r>
+            <a:r>
+              <a:rPr lang="en-US" sz="1700" dirty="0"/>
+              <a:t>  implicitly trust the server certificate.</a:t>
             </a:r>
           </a:p>
           <a:p>
